--- a/Prezentare licenta.pptx
+++ b/Prezentare licenta.pptx
@@ -207,7 +207,7 @@
             <a:fld id="{2E49D1D8-1955-416F-9A4C-63AD18920D22}" type="datetimeFigureOut">
               <a:rPr lang="ro-RO" smtClean="0"/>
               <a:pPr/>
-              <a:t>26.06.2017</a:t>
+              <a:t>27.06.2017</a:t>
             </a:fld>
             <a:endParaRPr lang="ro-RO"/>
           </a:p>
@@ -611,7 +611,7 @@
             <a:fld id="{7068054F-6B20-43A8-9629-350ABDB2ABEF}" type="datetime1">
               <a:rPr lang="ro-RO" smtClean="0"/>
               <a:pPr/>
-              <a:t>26.06.2017</a:t>
+              <a:t>27.06.2017</a:t>
             </a:fld>
             <a:endParaRPr lang="ro-RO"/>
           </a:p>
@@ -1482,7 +1482,7 @@
             <a:fld id="{B7466518-CAAE-45F2-8512-7641249ED9DE}" type="datetime1">
               <a:rPr lang="ro-RO" smtClean="0"/>
               <a:pPr/>
-              <a:t>26.06.2017</a:t>
+              <a:t>27.06.2017</a:t>
             </a:fld>
             <a:endParaRPr lang="ro-RO"/>
           </a:p>
@@ -1659,7 +1659,7 @@
             <a:fld id="{A663B4D0-D7F1-4A56-B7F2-D438A9753AA1}" type="datetime1">
               <a:rPr lang="ro-RO" smtClean="0"/>
               <a:pPr/>
-              <a:t>26.06.2017</a:t>
+              <a:t>27.06.2017</a:t>
             </a:fld>
             <a:endParaRPr lang="ro-RO"/>
           </a:p>
@@ -1831,7 +1831,7 @@
             <a:fld id="{0DD48132-1BBC-40CB-B787-130AB3D679D5}" type="datetime1">
               <a:rPr lang="ro-RO" smtClean="0"/>
               <a:pPr/>
-              <a:t>26.06.2017</a:t>
+              <a:t>27.06.2017</a:t>
             </a:fld>
             <a:endParaRPr lang="ro-RO"/>
           </a:p>
@@ -2043,7 +2043,7 @@
             <a:fld id="{61CD68B4-2689-43DF-866A-CF18B0818E23}" type="datetime1">
               <a:rPr lang="ro-RO" smtClean="0"/>
               <a:pPr/>
-              <a:t>26.06.2017</a:t>
+              <a:t>27.06.2017</a:t>
             </a:fld>
             <a:endParaRPr lang="ro-RO"/>
           </a:p>
@@ -2859,7 +2859,7 @@
             <a:fld id="{80BFB4A8-39B3-4D7F-B4BC-7F37077A4C0C}" type="datetime1">
               <a:rPr lang="ro-RO" smtClean="0"/>
               <a:pPr/>
-              <a:t>26.06.2017</a:t>
+              <a:t>27.06.2017</a:t>
             </a:fld>
             <a:endParaRPr lang="ro-RO"/>
           </a:p>
@@ -3097,7 +3097,7 @@
             <a:fld id="{B02325AD-7F1D-43B4-8246-875A773951EC}" type="datetime1">
               <a:rPr lang="ro-RO" smtClean="0"/>
               <a:pPr/>
-              <a:t>26.06.2017</a:t>
+              <a:t>27.06.2017</a:t>
             </a:fld>
             <a:endParaRPr lang="ro-RO"/>
           </a:p>
@@ -3422,7 +3422,7 @@
             <a:fld id="{008F9863-95C9-4059-AAC7-0AB2B2A696F0}" type="datetime1">
               <a:rPr lang="ro-RO" smtClean="0"/>
               <a:pPr/>
-              <a:t>26.06.2017</a:t>
+              <a:t>27.06.2017</a:t>
             </a:fld>
             <a:endParaRPr lang="ro-RO"/>
           </a:p>
@@ -3514,7 +3514,7 @@
             <a:fld id="{4015AC6C-D1EB-4FA3-9D1F-8A7F123CE189}" type="datetime1">
               <a:rPr lang="ro-RO" smtClean="0"/>
               <a:pPr/>
-              <a:t>26.06.2017</a:t>
+              <a:t>27.06.2017</a:t>
             </a:fld>
             <a:endParaRPr lang="ro-RO"/>
           </a:p>
@@ -4033,7 +4033,7 @@
             <a:fld id="{7F1A1338-6BDA-4633-A3EA-E1803A61932E}" type="datetime1">
               <a:rPr lang="ro-RO" smtClean="0"/>
               <a:pPr/>
-              <a:t>26.06.2017</a:t>
+              <a:t>27.06.2017</a:t>
             </a:fld>
             <a:endParaRPr lang="ro-RO"/>
           </a:p>
@@ -4546,7 +4546,7 @@
             <a:fld id="{C41EF37D-D233-41A8-B210-552340DCDD38}" type="datetime1">
               <a:rPr lang="ro-RO" smtClean="0"/>
               <a:pPr/>
-              <a:t>26.06.2017</a:t>
+              <a:t>27.06.2017</a:t>
             </a:fld>
             <a:endParaRPr lang="ro-RO"/>
           </a:p>
@@ -4793,7 +4793,7 @@
             <a:fld id="{D1C35E30-8AC4-46BA-90B5-A28B1A6BBF97}" type="datetime1">
               <a:rPr lang="ro-RO" smtClean="0"/>
               <a:pPr/>
-              <a:t>26.06.2017</a:t>
+              <a:t>27.06.2017</a:t>
             </a:fld>
             <a:endParaRPr lang="ro-RO"/>
           </a:p>
@@ -5564,7 +5564,23 @@
             <a:pPr algn="just"/>
             <a:r>
               <a:rPr lang="ro-RO" dirty="0" smtClean="0"/>
-              <a:t>Pentru a obține o formulă de calcul pentru această adâncime am creat un desen</a:t>
+              <a:t>Pentru a obține o formulă de calcul </a:t>
+            </a:r>
+            <a:r>
+              <a:rPr lang="ro-RO" dirty="0" smtClean="0"/>
+              <a:t>al aceastei adâncimi </a:t>
+            </a:r>
+            <a:r>
+              <a:rPr lang="ro-RO" dirty="0" smtClean="0"/>
+              <a:t>am </a:t>
+            </a:r>
+            <a:r>
+              <a:rPr lang="ro-RO" dirty="0" smtClean="0"/>
+              <a:t>folosit următorul </a:t>
+            </a:r>
+            <a:r>
+              <a:rPr lang="ro-RO" dirty="0" smtClean="0"/>
+              <a:t>desen</a:t>
             </a:r>
             <a:r>
               <a:rPr lang="en-GB" dirty="0" smtClean="0"/>
@@ -5600,7 +5616,15 @@
             <a:pPr algn="just"/>
             <a:r>
               <a:rPr lang="ro-RO" dirty="0" smtClean="0"/>
-              <a:t>Din acest desen se observă că se poate aplica teorema cosinusului, de unde rezultă că</a:t>
+              <a:t>Din acest </a:t>
+            </a:r>
+            <a:r>
+              <a:rPr lang="ro-RO" dirty="0" smtClean="0"/>
+              <a:t>desen, </a:t>
+            </a:r>
+            <a:r>
+              <a:rPr lang="ro-RO" dirty="0" smtClean="0"/>
+              <a:t>se observă că se poate aplica teorema cosinusului, de unde rezultă că</a:t>
             </a:r>
             <a:r>
               <a:rPr lang="en-GB" dirty="0" smtClean="0"/>
@@ -5750,7 +5774,15 @@
             </a:r>
             <a:r>
               <a:rPr lang="ro-RO" dirty="0" smtClean="0"/>
-              <a:t>ătorul pas a fost să calculez lungimea notată cu ip, adică firul care se află în apă la un moment dat</a:t>
+              <a:t>ătorul pas a fost să calculez lungimea notată cu ip, adică </a:t>
+            </a:r>
+            <a:r>
+              <a:rPr lang="ro-RO" dirty="0" smtClean="0"/>
+              <a:t>lungimea firului </a:t>
+            </a:r>
+            <a:r>
+              <a:rPr lang="ro-RO" dirty="0" smtClean="0"/>
+              <a:t>care se află în apă la un moment dat</a:t>
             </a:r>
             <a:r>
               <a:rPr lang="en-GB" dirty="0" smtClean="0"/>
@@ -5765,7 +5797,15 @@
             <a:pPr algn="just"/>
             <a:r>
               <a:rPr lang="ro-RO" dirty="0" smtClean="0"/>
-              <a:t>Pentru o vizualizare mai bună asupra modelului am realizat un grafic cu ajutorul simulink-ului, care, pe baza unor elemente fizice</a:t>
+              <a:t>Pentru o vizualizare mai bună asupra </a:t>
+            </a:r>
+            <a:r>
+              <a:rPr lang="ro-RO" dirty="0" smtClean="0"/>
+              <a:t>modelului, </a:t>
+            </a:r>
+            <a:r>
+              <a:rPr lang="ro-RO" dirty="0" smtClean="0"/>
+              <a:t>am realizat un grafic cu ajutorul simulink-ului, care, pe baza unor elemente fizice</a:t>
             </a:r>
             <a:r>
               <a:rPr lang="en-GB" dirty="0" smtClean="0"/>
@@ -5781,7 +5821,23 @@
             </a:r>
             <a:r>
               <a:rPr lang="ro-RO" dirty="0" smtClean="0"/>
-              <a:t>între ele generează un grafic</a:t>
+              <a:t>între </a:t>
+            </a:r>
+            <a:r>
+              <a:rPr lang="ro-RO" dirty="0" smtClean="0"/>
+              <a:t>ele, </a:t>
+            </a:r>
+            <a:r>
+              <a:rPr lang="ro-RO" dirty="0" smtClean="0"/>
+              <a:t>generează un </a:t>
+            </a:r>
+            <a:r>
+              <a:rPr lang="ro-RO" dirty="0" smtClean="0"/>
+              <a:t>grafic</a:t>
+            </a:r>
+            <a:r>
+              <a:rPr lang="ro-RO" dirty="0" smtClean="0"/>
+              <a:t> reprezentativ</a:t>
             </a:r>
             <a:r>
               <a:rPr lang="en-GB" dirty="0" smtClean="0"/>
@@ -5978,7 +6034,19 @@
             <a:pPr algn="just"/>
             <a:r>
               <a:rPr lang="ro-RO" dirty="0" smtClean="0"/>
-              <a:t>Ulterior am dezvoltat aplicația în așa fet încât de la modelul prezentat la început, să pot să calculez și viteza </a:t>
+              <a:t>Ulterior, </a:t>
+            </a:r>
+            <a:r>
+              <a:rPr lang="ro-RO" dirty="0" smtClean="0"/>
+              <a:t>am dezvoltat aplicația în așa </a:t>
+            </a:r>
+            <a:r>
+              <a:rPr lang="ro-RO" dirty="0" smtClean="0"/>
+              <a:t>fel încât, </a:t>
+            </a:r>
+            <a:r>
+              <a:rPr lang="ro-RO" dirty="0" smtClean="0"/>
+              <a:t>de la modelul prezentat la început, să pot să calculez și viteza </a:t>
             </a:r>
             <a:r>
               <a:rPr lang="en-GB" dirty="0" err="1" smtClean="0"/>
@@ -5986,8 +6054,60 @@
             </a:r>
             <a:r>
               <a:rPr lang="ro-RO" dirty="0" smtClean="0"/>
-              <a:t>ă greutății, accelerația și forța de lansare. Pentru calculul vitezei utilizatorul va trebui sa cronometreze timpul parcurs de montură până la impactul cu apa (d/dt), atunci accelerația se va calcula ușor(v/t), iar pentru calculul forței, acesta va trebui sa cantărească montura(masa_monturii*accelerația)</a:t>
-            </a:r>
+              <a:t>ă greutății, accelerația și forța de lansare</a:t>
+            </a:r>
+            <a:r>
+              <a:rPr lang="ro-RO" dirty="0" smtClean="0"/>
+              <a:t>.</a:t>
+            </a:r>
+          </a:p>
+          <a:p>
+            <a:pPr algn="just"/>
+            <a:r>
+              <a:rPr lang="ro-RO" dirty="0" smtClean="0"/>
+              <a:t> </a:t>
+            </a:r>
+            <a:r>
+              <a:rPr lang="ro-RO" dirty="0" smtClean="0"/>
+              <a:t>Pentru calculul </a:t>
+            </a:r>
+            <a:r>
+              <a:rPr lang="ro-RO" dirty="0" smtClean="0"/>
+              <a:t>vitezei, </a:t>
+            </a:r>
+            <a:r>
+              <a:rPr lang="ro-RO" dirty="0" smtClean="0"/>
+              <a:t>utilizatorul va trebui </a:t>
+            </a:r>
+            <a:r>
+              <a:rPr lang="ro-RO" dirty="0" smtClean="0"/>
+              <a:t>să </a:t>
+            </a:r>
+            <a:r>
+              <a:rPr lang="ro-RO" dirty="0" smtClean="0"/>
+              <a:t>cronometreze timpul parcurs de montură până la impactul cu apa (d/dt</a:t>
+            </a:r>
+            <a:r>
+              <a:rPr lang="ro-RO" dirty="0" smtClean="0"/>
+              <a:t>). </a:t>
+            </a:r>
+            <a:r>
+              <a:rPr lang="ro-RO" dirty="0" smtClean="0"/>
+              <a:t>A</a:t>
+            </a:r>
+            <a:r>
+              <a:rPr lang="ro-RO" dirty="0" smtClean="0"/>
+              <a:t>tunci </a:t>
+            </a:r>
+            <a:r>
+              <a:rPr lang="ro-RO" dirty="0" smtClean="0"/>
+              <a:t>accelerația se va calcula ușor(v/t), iar pentru calculul forței, acesta va trebui </a:t>
+            </a:r>
+            <a:r>
+              <a:rPr lang="ro-RO" dirty="0" smtClean="0"/>
+              <a:t>să cântărească montura (masa _monturii *accelerația).</a:t>
+            </a:r>
+            <a:endParaRPr lang="ro-RO" dirty="0" smtClean="0"/>
           </a:p>
           <a:p>
             <a:pPr algn="just"/>
@@ -6153,14 +6273,45 @@
             <a:pPr algn="just"/>
             <a:r>
               <a:rPr lang="ro-RO" dirty="0" smtClean="0"/>
-              <a:t>Pregătirea lucrării, documentarea pentru realizarea sa, au scos la iveală multiplele aplicabilități ale informaticii, legătura sa cu mediul înconjurător; s-au creat diverse conexiuni între domenii aparent disjuncte, s-au obținut rezultate interesante, rezultate care pot reprezenta un nou punct de plecare pentru alți pasionați de pescuit și de informatică.</a:t>
+              <a:t>Pregătirea lucrării, documentarea pentru realizarea sa, au scos la iveală multiplele aplicabilități ale informaticii, legătura sa cu mediul </a:t>
+            </a:r>
+            <a:r>
+              <a:rPr lang="ro-RO" dirty="0" smtClean="0"/>
+              <a:t>înconjurător. </a:t>
             </a:r>
           </a:p>
           <a:p>
             <a:pPr algn="just"/>
             <a:r>
               <a:rPr lang="ro-RO" dirty="0" smtClean="0"/>
-              <a:t>Conchizând cele de mai sus, merită în principal evidențiat faptul că rolul unui informatician cu o pregătire adecvată în domeniu este cât se poate de important chiar și în direcții care, aparent, n-ar avea legatură cu informatica.  </a:t>
+              <a:t>S-au </a:t>
+            </a:r>
+            <a:r>
+              <a:rPr lang="ro-RO" dirty="0" smtClean="0"/>
+              <a:t>creat diverse conexiuni între domenii aparent disjuncte, s-au obținut rezultate interesante, rezultate care pot reprezenta un nou punct de plecare pentru alți pasionați de pescuit și de informatică.</a:t>
+            </a:r>
+          </a:p>
+          <a:p>
+            <a:pPr algn="just"/>
+            <a:r>
+              <a:rPr lang="ro-RO" dirty="0" smtClean="0"/>
+              <a:t>Conchizând cele de mai sus, merită în principal evidențiat faptul că rolul unui informatician cu o pregătire adecvată în domeniu este cât se poate de important chiar și în direcții care, aparent, </a:t>
+            </a:r>
+            <a:r>
+              <a:rPr lang="ro-RO" dirty="0" smtClean="0"/>
+              <a:t>    n-ar </a:t>
+            </a:r>
+            <a:r>
+              <a:rPr lang="ro-RO" dirty="0" smtClean="0"/>
+              <a:t>avea </a:t>
+            </a:r>
+            <a:r>
+              <a:rPr lang="ro-RO" dirty="0" smtClean="0"/>
+              <a:t>legătură </a:t>
+            </a:r>
+            <a:r>
+              <a:rPr lang="ro-RO" dirty="0" smtClean="0"/>
+              <a:t>cu informatica.  </a:t>
             </a:r>
           </a:p>
           <a:p>
@@ -6548,7 +6699,15 @@
             </a:r>
             <a:r>
               <a:rPr lang="ro-RO" dirty="0" smtClean="0"/>
-              <a:t> fară a se executa masurarea firului, în funcție de o serie de date ușor de observat.</a:t>
+              <a:t> fară a se executa </a:t>
+            </a:r>
+            <a:r>
+              <a:rPr lang="ro-RO" dirty="0" smtClean="0"/>
+              <a:t>măsurarea </a:t>
+            </a:r>
+            <a:r>
+              <a:rPr lang="ro-RO" dirty="0" smtClean="0"/>
+              <a:t>firului, în funcție de o serie de date ușor de observat.</a:t>
             </a:r>
           </a:p>
           <a:p>
@@ -6567,14 +6726,46 @@
             </a:r>
             <a:r>
               <a:rPr lang="ro-RO" dirty="0" smtClean="0"/>
-              <a:t>ținut constă în faptul că odată aflată distanța de aruncare utilizatorul poate să păstreze exact aceeași distanță și la aruncările viitoare, ceea ce este foarte important pentru un pescar, deoarece, aruncând în același loc, peștele se adună acolo pentru a se hrăni.</a:t>
+              <a:t>ținut constă în faptul </a:t>
+            </a:r>
+            <a:r>
+              <a:rPr lang="ro-RO" dirty="0" smtClean="0"/>
+              <a:t>că, </a:t>
+            </a:r>
+            <a:r>
+              <a:rPr lang="ro-RO" dirty="0" smtClean="0"/>
+              <a:t>odată aflată distanța de </a:t>
+            </a:r>
+            <a:r>
+              <a:rPr lang="ro-RO" dirty="0" smtClean="0"/>
+              <a:t>aruncare, </a:t>
+            </a:r>
+            <a:r>
+              <a:rPr lang="ro-RO" dirty="0" smtClean="0"/>
+              <a:t>utilizatorul poate să păstreze exact aceeași distanță și la aruncările viitoare, ceea ce este foarte important pentru un pescar, deoarece, aruncând în același loc, peștele se adună acolo pentru a se hrăni.</a:t>
             </a:r>
           </a:p>
           <a:p>
             <a:pPr algn="just"/>
             <a:r>
               <a:rPr lang="ro-RO" dirty="0" smtClean="0"/>
-              <a:t>În prima fază a cercetării am realizat un algoritm care să îmi returneze cât fir de o anumită grosime încape pe un tambur. </a:t>
+              <a:t>În prima fază a cercetării am realizat un algoritm care să îmi returneze cât </a:t>
+            </a:r>
+            <a:r>
+              <a:rPr lang="ro-RO" dirty="0" smtClean="0"/>
+              <a:t>fir, </a:t>
+            </a:r>
+            <a:r>
+              <a:rPr lang="ro-RO" dirty="0" smtClean="0"/>
+              <a:t>de o anumită </a:t>
+            </a:r>
+            <a:r>
+              <a:rPr lang="ro-RO" dirty="0" smtClean="0"/>
+              <a:t>grosime, </a:t>
+            </a:r>
+            <a:r>
+              <a:rPr lang="ro-RO" dirty="0" smtClean="0"/>
+              <a:t>încape pe un tambur. </a:t>
             </a:r>
           </a:p>
           <a:p>
@@ -6664,7 +6855,15 @@
             <a:pPr algn="just"/>
             <a:r>
               <a:rPr lang="ro-RO" dirty="0" smtClean="0"/>
-              <a:t>Ca date de intrare pentru acest algoritm am avut nevoie de dimensiunea unei spire inițiale, raza de acțiune a tamurului, numărul de spire inițiale și, bineînțeles dimensiunea firului.</a:t>
+              <a:t>Ca date de intrare pentru acest </a:t>
+            </a:r>
+            <a:r>
+              <a:rPr lang="ro-RO" dirty="0" smtClean="0"/>
+              <a:t>algoritm, </a:t>
+            </a:r>
+            <a:r>
+              <a:rPr lang="ro-RO" dirty="0" smtClean="0"/>
+              <a:t>am avut nevoie de dimensiunea unei spire inițiale, raza de acțiune a tamurului, numărul de spire inițiale și, bineînțeles dimensiunea firului.</a:t>
             </a:r>
             <a:endParaRPr lang="en-GB" dirty="0" smtClean="0"/>
           </a:p>
@@ -6896,21 +7095,53 @@
             <a:pPr algn="just"/>
             <a:r>
               <a:rPr lang="ro-RO" dirty="0" smtClean="0"/>
-              <a:t>În a doua faza a studiului întreprins, mi-am dat seama că, utilizănd acest algoritm cu alte date de intrare, utilizatorul poate afla ușor care este distanța de aruncare.</a:t>
+              <a:t>În a doua </a:t>
+            </a:r>
+            <a:r>
+              <a:rPr lang="ro-RO" dirty="0" smtClean="0"/>
+              <a:t>fază </a:t>
+            </a:r>
+            <a:r>
+              <a:rPr lang="ro-RO" dirty="0" smtClean="0"/>
+              <a:t>a studiului întreprins, mi-am dat seama că, utilizănd acest algoritm cu alte date de intrare, utilizatorul poate afla ușor care este distanța de aruncare.</a:t>
             </a:r>
           </a:p>
           <a:p>
             <a:pPr algn="just"/>
             <a:r>
               <a:rPr lang="ro-RO" dirty="0" smtClean="0"/>
-              <a:t>Dacă respectivul va efectua măsurători pentru determinarea dimensiunii unei spire după aruncare și pentru raza de acțiune a tamburului după aruncare, acesta va putea afla cu exactitate cât a aruncat. </a:t>
+              <a:t>Dacă respectivul va efectua măsurători pentru determinarea dimensiunii unei </a:t>
+            </a:r>
+            <a:r>
+              <a:rPr lang="ro-RO" dirty="0" smtClean="0"/>
+              <a:t>spire, </a:t>
+            </a:r>
+            <a:r>
+              <a:rPr lang="ro-RO" dirty="0" smtClean="0"/>
+              <a:t>după </a:t>
+            </a:r>
+            <a:r>
+              <a:rPr lang="ro-RO" dirty="0" smtClean="0"/>
+              <a:t>aruncare, </a:t>
+            </a:r>
+            <a:r>
+              <a:rPr lang="ro-RO" dirty="0" smtClean="0"/>
+              <a:t>și pentru raza de acțiune a tamburului după aruncare, acesta va putea afla cu exactitate cât a aruncat. </a:t>
             </a:r>
           </a:p>
           <a:p>
             <a:pPr algn="just"/>
             <a:r>
               <a:rPr lang="ro-RO" dirty="0" smtClean="0"/>
-              <a:t>În a treia faza a cercetării, am observat că numărul de spire rămâne același și se poate calcula mai ușor, acesta fiind egal cu înălțimea tamburului împărțită la grosimea firului, deoarece firul este cilindric.</a:t>
+              <a:t>În a treia </a:t>
+            </a:r>
+            <a:r>
+              <a:rPr lang="ro-RO" dirty="0" smtClean="0"/>
+              <a:t>fază </a:t>
+            </a:r>
+            <a:r>
+              <a:rPr lang="ro-RO" dirty="0" smtClean="0"/>
+              <a:t>a cercetării, am observat că numărul de spire rămâne același și se poate calcula mai ușor, acesta fiind egal cu înălțimea tamburului împărțită la grosimea firului, deoarece firul este cilindric.</a:t>
             </a:r>
             <a:endParaRPr lang="ro-RO" dirty="0"/>
           </a:p>
@@ -7017,7 +7248,15 @@
             <a:pPr algn="just"/>
             <a:r>
               <a:rPr lang="ro-RO" dirty="0" smtClean="0"/>
-              <a:t>Acest model ajută utilizatorul să afle, odată găsită distanța la care se hrănesc peștii, care este greutatea minimă pe care trebuie să o aibă montura pentru ca aceasta să ramană în locul plantării.</a:t>
+              <a:t>Acest model ajută utilizatorul să afle, odată găsită distanța la care se hrănesc peștii, care este greutatea minimă pe care trebuie să o aibă montura pentru ca aceasta să </a:t>
+            </a:r>
+            <a:r>
+              <a:rPr lang="ro-RO" dirty="0" smtClean="0"/>
+              <a:t>rămână </a:t>
+            </a:r>
+            <a:r>
+              <a:rPr lang="ro-RO" dirty="0" smtClean="0"/>
+              <a:t>în locul plantării.</a:t>
             </a:r>
           </a:p>
           <a:p>
@@ -7102,14 +7341,38 @@
             <a:pPr algn="just"/>
             <a:r>
               <a:rPr lang="ro-RO" dirty="0" smtClean="0"/>
-              <a:t>Ca prim rezultat am reușit să obțin un algoritm care să calculeze care este masa unui metru de fir cu o anumită grosime.</a:t>
+              <a:t>Ca prim </a:t>
+            </a:r>
+            <a:r>
+              <a:rPr lang="ro-RO" dirty="0" smtClean="0"/>
+              <a:t>rezultat, </a:t>
+            </a:r>
+            <a:r>
+              <a:rPr lang="ro-RO" dirty="0" smtClean="0"/>
+              <a:t>am reușit să obțin un algoritm care să calculeze </a:t>
+            </a:r>
+            <a:r>
+              <a:rPr lang="ro-RO" dirty="0" smtClean="0"/>
+              <a:t>masa </a:t>
+            </a:r>
+            <a:r>
+              <a:rPr lang="ro-RO" dirty="0" smtClean="0"/>
+              <a:t>unui metru de fir cu o anumită grosime.</a:t>
             </a:r>
           </a:p>
           <a:p>
             <a:pPr algn="just"/>
             <a:r>
               <a:rPr lang="ro-RO" dirty="0" smtClean="0"/>
-              <a:t>Rezultatul generat de acest algoritm este util deoarece ajută la calculul masei firului utilizat de pescar la un moment dat.</a:t>
+              <a:t>Rezultatul generat de acest algoritm este </a:t>
+            </a:r>
+            <a:r>
+              <a:rPr lang="ro-RO" dirty="0" smtClean="0"/>
+              <a:t>util, </a:t>
+            </a:r>
+            <a:r>
+              <a:rPr lang="ro-RO" dirty="0" smtClean="0"/>
+              <a:t>deoarece ajută la calculul masei firului utilizat de pescar la un moment dat.</a:t>
             </a:r>
             <a:endParaRPr lang="ro-RO" dirty="0"/>
           </a:p>
@@ -7217,7 +7480,15 @@
             <a:pPr algn="just"/>
             <a:r>
               <a:rPr lang="ro-RO" dirty="0" smtClean="0"/>
-              <a:t>Pentru a calcula care este greutatea minimă căutată am obținut două ecuații din figura anterioară.</a:t>
+              <a:t>Pentru a calcula care este greutatea minimă </a:t>
+            </a:r>
+            <a:r>
+              <a:rPr lang="ro-RO" dirty="0" smtClean="0"/>
+              <a:t>căutată, </a:t>
+            </a:r>
+            <a:r>
+              <a:rPr lang="ro-RO" dirty="0" smtClean="0"/>
+              <a:t>am obținut două ecuații din figura anterioară.</a:t>
             </a:r>
           </a:p>
           <a:p>
@@ -7263,7 +7534,31 @@
             <a:pPr algn="just"/>
             <a:r>
               <a:rPr lang="ro-RO" dirty="0" smtClean="0"/>
-              <a:t>Deci greutatea cautată este egala cu de două ori masa firului care este egală cu produsul dintre lungimea firului si masa unui metru de fir </a:t>
+              <a:t>Deci greutatea cautată este </a:t>
+            </a:r>
+            <a:r>
+              <a:rPr lang="ro-RO" dirty="0" smtClean="0"/>
+              <a:t>egală </a:t>
+            </a:r>
+            <a:r>
+              <a:rPr lang="ro-RO" dirty="0" smtClean="0"/>
+              <a:t>cu de două ori masa firului </a:t>
+            </a:r>
+            <a:r>
+              <a:rPr lang="ro-RO" dirty="0" smtClean="0"/>
+              <a:t>care, la rândul ei, </a:t>
+            </a:r>
+            <a:r>
+              <a:rPr lang="ro-RO" dirty="0" smtClean="0"/>
+              <a:t>este egală cu produsul dintre lungimea firului </a:t>
+            </a:r>
+            <a:r>
+              <a:rPr lang="ro-RO" dirty="0" smtClean="0"/>
+              <a:t>și </a:t>
+            </a:r>
+            <a:r>
+              <a:rPr lang="ro-RO" dirty="0" smtClean="0"/>
+              <a:t>masa unui metru de fir </a:t>
             </a:r>
           </a:p>
           <a:p>
@@ -7453,14 +7748,55 @@
             <a:pPr algn="just"/>
             <a:r>
               <a:rPr lang="ro-RO" dirty="0" smtClean="0"/>
-              <a:t>Acest model are ca scop determinarea, cu o anumită precizie, lungimii firului care se află în apa, la un moment dat al drilului.</a:t>
-            </a:r>
+              <a:t>Acest model are ca scop </a:t>
+            </a:r>
+            <a:r>
+              <a:rPr lang="ro-RO" dirty="0" smtClean="0"/>
+              <a:t>determinarea, </a:t>
+            </a:r>
+            <a:r>
+              <a:rPr lang="ro-RO" dirty="0" smtClean="0"/>
+              <a:t>la un moment dat al drilului, </a:t>
+            </a:r>
+            <a:r>
+              <a:rPr lang="ro-RO" dirty="0" smtClean="0"/>
+              <a:t>cu o anumită </a:t>
+            </a:r>
+            <a:r>
+              <a:rPr lang="ro-RO" dirty="0" smtClean="0"/>
+              <a:t>precizie, a </a:t>
+            </a:r>
+            <a:r>
+              <a:rPr lang="ro-RO" dirty="0" smtClean="0"/>
+              <a:t>lungimii firului care se află în </a:t>
+            </a:r>
+            <a:r>
+              <a:rPr lang="ro-RO" dirty="0" smtClean="0"/>
+              <a:t>apă.</a:t>
+            </a:r>
+            <a:endParaRPr lang="ro-RO" dirty="0" smtClean="0"/>
           </a:p>
           <a:p>
             <a:pPr algn="just"/>
             <a:r>
               <a:rPr lang="ro-RO" dirty="0" smtClean="0"/>
-              <a:t>Utilitatea acestui algoritm constă în faptul că  utilizatorii pot la fiecare moment să știe care este distanța pe care peștele o are până la </a:t>
+              <a:t>Utilitatea acestui algoritm constă în faptul că  utilizatorii </a:t>
+            </a:r>
+            <a:r>
+              <a:rPr lang="ro-RO" dirty="0" smtClean="0"/>
+              <a:t>pot, </a:t>
+            </a:r>
+            <a:r>
+              <a:rPr lang="ro-RO" dirty="0" smtClean="0"/>
+              <a:t>la fiecare </a:t>
+            </a:r>
+            <a:r>
+              <a:rPr lang="ro-RO" dirty="0" smtClean="0"/>
+              <a:t>moment, </a:t>
+            </a:r>
+            <a:r>
+              <a:rPr lang="ro-RO" dirty="0" smtClean="0"/>
+              <a:t>să știe care este distanța pe care peștele o are până la </a:t>
             </a:r>
             <a:r>
               <a:rPr lang="en-GB" dirty="0" smtClean="0"/>
@@ -7479,7 +7815,15 @@
             <a:pPr algn="just"/>
             <a:r>
               <a:rPr lang="ro-RO" dirty="0" smtClean="0"/>
-              <a:t>În cazul în care un pește a scăpat, utilizatorul poate afla cât de aproape a fost în prinderea acestuia.</a:t>
+              <a:t>În cazul în care un pește a scăpat, utilizatorul poate afla cât de aproape a fost în </a:t>
+            </a:r>
+            <a:r>
+              <a:rPr lang="ro-RO" dirty="0" smtClean="0"/>
+              <a:t>tentativa de prinderea </a:t>
+            </a:r>
+            <a:r>
+              <a:rPr lang="ro-RO" dirty="0" smtClean="0"/>
+              <a:t>acestuia.</a:t>
             </a:r>
             <a:endParaRPr lang="ro-RO" dirty="0"/>
           </a:p>
